--- a/pkgdown/man/articles/AQEvalPackage_Guidance_Slides_07052021.pptx
+++ b/pkgdown/man/articles/AQEvalPackage_Guidance_Slides_07052021.pptx
@@ -2,25 +2,25 @@
 <file path=ppt/presentation.xml><?xml version="1.0" encoding="utf-8"?>
 <p:presentation xmlns:a="http://schemas.openxmlformats.org/drawingml/2006/main" xmlns:r="http://schemas.openxmlformats.org/officeDocument/2006/relationships" xmlns:p="http://schemas.openxmlformats.org/presentationml/2006/main" showSpecialPlsOnTitleSld="0" saveSubsetFonts="1" autoCompressPictures="0">
   <p:sldMasterIdLst>
-    <p:sldMasterId id="2147483648" r:id="rId1"/>
+    <p:sldMasterId id="2147483648" r:id="rId4"/>
   </p:sldMasterIdLst>
   <p:notesMasterIdLst>
-    <p:notesMasterId r:id="rId12"/>
+    <p:notesMasterId r:id="rId15"/>
   </p:notesMasterIdLst>
   <p:handoutMasterIdLst>
-    <p:handoutMasterId r:id="rId13"/>
+    <p:handoutMasterId r:id="rId16"/>
   </p:handoutMasterIdLst>
   <p:sldIdLst>
-    <p:sldId id="1072" r:id="rId2"/>
-    <p:sldId id="1065" r:id="rId3"/>
-    <p:sldId id="1066" r:id="rId4"/>
-    <p:sldId id="1067" r:id="rId5"/>
-    <p:sldId id="1068" r:id="rId6"/>
-    <p:sldId id="1073" r:id="rId7"/>
-    <p:sldId id="1074" r:id="rId8"/>
-    <p:sldId id="1075" r:id="rId9"/>
-    <p:sldId id="1076" r:id="rId10"/>
-    <p:sldId id="1077" r:id="rId11"/>
+    <p:sldId id="1072" r:id="rId5"/>
+    <p:sldId id="1065" r:id="rId6"/>
+    <p:sldId id="1066" r:id="rId7"/>
+    <p:sldId id="1067" r:id="rId8"/>
+    <p:sldId id="1068" r:id="rId9"/>
+    <p:sldId id="1073" r:id="rId10"/>
+    <p:sldId id="1074" r:id="rId11"/>
+    <p:sldId id="1075" r:id="rId12"/>
+    <p:sldId id="1076" r:id="rId13"/>
+    <p:sldId id="1077" r:id="rId14"/>
   </p:sldIdLst>
   <p:sldSz cx="9144000" cy="6858000" type="screen4x3"/>
   <p:notesSz cx="7104063" cy="10234613"/>
@@ -178,7 +178,7 @@
       </p:ext>
     </p:extLst>
   </p:cmAuthor>
-  <p:cmAuthor id="3" name="Karl Ropkins" initials="KR [2]" lastIdx="109" clrIdx="2">
+  <p:cmAuthor id="3" name="Karl Ropkins" initials="KR [2]" lastIdx="111" clrIdx="2">
     <p:extLst>
       <p:ext uri="{19B8F6BF-5375-455C-9EA6-DF929625EA0E}">
         <p15:presenceInfo xmlns:p15="http://schemas.microsoft.com/office/powerpoint/2012/main" userId="Karl Ropkins" providerId="None"/>
@@ -186,6 +186,34 @@
     </p:extLst>
   </p:cmAuthor>
 </p:cmAuthorLst>
+</file>
+
+<file path=ppt/comments/comment1.xml><?xml version="1.0" encoding="utf-8"?>
+<p:cmLst xmlns:a="http://schemas.openxmlformats.org/drawingml/2006/main" xmlns:r="http://schemas.openxmlformats.org/officeDocument/2006/relationships" xmlns:p="http://schemas.openxmlformats.org/presentationml/2006/main">
+  <p:cm authorId="3" dt="2022-04-26T18:55:51.236" idx="111">
+    <p:pos x="10" y="10"/>
+    <p:text>check text, then add to docs?</p:text>
+    <p:extLst>
+      <p:ext uri="{C676402C-5697-4E1C-873F-D02D1690AC5C}">
+        <p15:threadingInfo xmlns:p15="http://schemas.microsoft.com/office/powerpoint/2012/main" timeZoneBias="-60"/>
+      </p:ext>
+    </p:extLst>
+  </p:cm>
+</p:cmLst>
+</file>
+
+<file path=ppt/comments/comment2.xml><?xml version="1.0" encoding="utf-8"?>
+<p:cmLst xmlns:a="http://schemas.openxmlformats.org/drawingml/2006/main" xmlns:r="http://schemas.openxmlformats.org/officeDocument/2006/relationships" xmlns:p="http://schemas.openxmlformats.org/presentationml/2006/main">
+  <p:cm authorId="3" dt="2022-04-26T18:55:30.331" idx="110">
+    <p:pos x="10" y="10"/>
+    <p:text>update this page</p:text>
+    <p:extLst>
+      <p:ext uri="{C676402C-5697-4E1C-873F-D02D1690AC5C}">
+        <p15:threadingInfo xmlns:p15="http://schemas.microsoft.com/office/powerpoint/2012/main" timeZoneBias="-60"/>
+      </p:ext>
+    </p:extLst>
+  </p:cm>
+</p:cmLst>
 </file>
 
 <file path=ppt/handoutMasters/handoutMaster1.xml><?xml version="1.0" encoding="utf-8"?>
@@ -294,7 +322,7 @@
               <a:pPr>
                 <a:defRPr/>
               </a:pPr>
-              <a:t>07/05/2021</a:t>
+              <a:t>26/04/2022</a:t>
             </a:fld>
             <a:endParaRPr lang="en-GB" dirty="0"/>
           </a:p>
@@ -504,7 +532,7 @@
               <a:pPr>
                 <a:defRPr/>
               </a:pPr>
-              <a:t>07/05/2021</a:t>
+              <a:t>26/04/2022</a:t>
             </a:fld>
             <a:endParaRPr lang="en-GB" dirty="0"/>
           </a:p>
@@ -12278,7 +12306,21 @@
                 <a:latin typeface="Calibri" panose="020F0502020204030204" pitchFamily="34" charset="0"/>
                 <a:ea typeface="ＭＳ Ｐゴシック" panose="020B0600070205080204" pitchFamily="34" charset="-128"/>
               </a:rPr>
-              <a:t> (AQEval_0.1.3.tar.gz or later)</a:t>
+              <a:t> (</a:t>
+            </a:r>
+            <a:r>
+              <a:rPr lang="en-GB" dirty="0" smtClean="0">
+                <a:latin typeface="Calibri" panose="020F0502020204030204" pitchFamily="34" charset="0"/>
+                <a:ea typeface="ＭＳ Ｐゴシック" panose="020B0600070205080204" pitchFamily="34" charset="-128"/>
+              </a:rPr>
+              <a:t>AQEval_0.4.0.tar.gz </a:t>
+            </a:r>
+            <a:r>
+              <a:rPr lang="en-GB" dirty="0">
+                <a:latin typeface="Calibri" panose="020F0502020204030204" pitchFamily="34" charset="0"/>
+                <a:ea typeface="ＭＳ Ｐゴシック" panose="020B0600070205080204" pitchFamily="34" charset="-128"/>
+              </a:rPr>
+              <a:t>or later)</a:t>
             </a:r>
           </a:p>
           <a:p>
@@ -17458,6 +17500,15 @@
 </file>
 
 <file path=customXml/item1.xml><?xml version="1.0" encoding="utf-8"?>
+<?mso-contentType ?>
+<FormTemplates xmlns="http://schemas.microsoft.com/sharepoint/v3/contenttype/forms">
+  <Display>DocumentLibraryForm</Display>
+  <Edit>DocumentLibraryForm</Edit>
+  <New>DocumentLibraryForm</New>
+</FormTemplates>
+</file>
+
+<file path=customXml/item2.xml><?xml version="1.0" encoding="utf-8"?>
 <ct:contentTypeSchema xmlns:ct="http://schemas.microsoft.com/office/2006/metadata/contentType" xmlns:ma="http://schemas.microsoft.com/office/2006/metadata/properties/metaAttributes" ct:_="" ma:_="" ma:contentTypeName="Document" ma:contentTypeID="0x01010010A8A1C8D9E44F4492DE381AD8002ADB" ma:contentTypeVersion="6" ma:contentTypeDescription="Create a new document." ma:contentTypeScope="" ma:versionID="44bdb19541ae4ff369fcba595e75e377">
   <xsd:schema xmlns:xsd="http://www.w3.org/2001/XMLSchema" xmlns:xs="http://www.w3.org/2001/XMLSchema" xmlns:p="http://schemas.microsoft.com/office/2006/metadata/properties" xmlns:ns2="262428a8-0293-4d1b-8aef-8ed32891ca41" targetNamespace="http://schemas.microsoft.com/office/2006/metadata/properties" ma:root="true" ma:fieldsID="b6d66be5eb56cbae5938ab35024a1c97" ns2:_="">
     <xsd:import namespace="262428a8-0293-4d1b-8aef-8ed32891ca41"/>
@@ -17615,15 +17666,6 @@
 </ct:contentTypeSchema>
 </file>
 
-<file path=customXml/item2.xml><?xml version="1.0" encoding="utf-8"?>
-<?mso-contentType ?>
-<FormTemplates xmlns="http://schemas.microsoft.com/sharepoint/v3/contenttype/forms">
-  <Display>DocumentLibraryForm</Display>
-  <Edit>DocumentLibraryForm</Edit>
-  <New>DocumentLibraryForm</New>
-</FormTemplates>
-</file>
-
 <file path=customXml/item3.xml><?xml version="1.0" encoding="utf-8"?>
 <p:properties xmlns:p="http://schemas.microsoft.com/office/2006/metadata/properties" xmlns:xsi="http://www.w3.org/2001/XMLSchema-instance" xmlns:pc="http://schemas.microsoft.com/office/infopath/2007/PartnerControls">
   <documentManagement/>
@@ -17631,13 +17673,43 @@
 </file>
 
 <file path=customXml/itemProps1.xml><?xml version="1.0" encoding="utf-8"?>
-<ds:datastoreItem xmlns:ds="http://schemas.openxmlformats.org/officeDocument/2006/customXml" ds:itemID="{B37BFED7-B9B5-4F0C-AD98-6ED423E691CB}"/>
+<ds:datastoreItem xmlns:ds="http://schemas.openxmlformats.org/officeDocument/2006/customXml" ds:itemID="{E5508AE7-57E3-458E-8103-93F31C812CE4}">
+  <ds:schemaRefs>
+    <ds:schemaRef ds:uri="http://schemas.microsoft.com/sharepoint/v3/contenttype/forms"/>
+  </ds:schemaRefs>
+</ds:datastoreItem>
 </file>
 
 <file path=customXml/itemProps2.xml><?xml version="1.0" encoding="utf-8"?>
-<ds:datastoreItem xmlns:ds="http://schemas.openxmlformats.org/officeDocument/2006/customXml" ds:itemID="{E5508AE7-57E3-458E-8103-93F31C812CE4}"/>
+<ds:datastoreItem xmlns:ds="http://schemas.openxmlformats.org/officeDocument/2006/customXml" ds:itemID="{B37BFED7-B9B5-4F0C-AD98-6ED423E691CB}">
+  <ds:schemaRefs>
+    <ds:schemaRef ds:uri="http://schemas.microsoft.com/office/2006/metadata/contentType"/>
+    <ds:schemaRef ds:uri="http://schemas.microsoft.com/office/2006/metadata/properties/metaAttributes"/>
+    <ds:schemaRef ds:uri="http://www.w3.org/2001/XMLSchema"/>
+    <ds:schemaRef ds:uri="http://schemas.microsoft.com/office/2006/metadata/properties"/>
+    <ds:schemaRef ds:uri="262428a8-0293-4d1b-8aef-8ed32891ca41"/>
+    <ds:schemaRef ds:uri="http://schemas.microsoft.com/office/2006/documentManagement/types"/>
+    <ds:schemaRef ds:uri="http://schemas.microsoft.com/office/infopath/2007/PartnerControls"/>
+    <ds:schemaRef ds:uri="http://schemas.openxmlformats.org/package/2006/metadata/core-properties"/>
+    <ds:schemaRef ds:uri="http://purl.org/dc/elements/1.1/"/>
+    <ds:schemaRef ds:uri="http://purl.org/dc/terms/"/>
+    <ds:schemaRef ds:uri="http://schemas.microsoft.com/internal/obd"/>
+  </ds:schemaRefs>
+</ds:datastoreItem>
 </file>
 
 <file path=customXml/itemProps3.xml><?xml version="1.0" encoding="utf-8"?>
-<ds:datastoreItem xmlns:ds="http://schemas.openxmlformats.org/officeDocument/2006/customXml" ds:itemID="{33369C2A-A507-4A7C-9290-4E7F6A3F5866}"/>
+<ds:datastoreItem xmlns:ds="http://schemas.openxmlformats.org/officeDocument/2006/customXml" ds:itemID="{33369C2A-A507-4A7C-9290-4E7F6A3F5866}">
+  <ds:schemaRefs>
+    <ds:schemaRef ds:uri="http://purl.org/dc/elements/1.1/"/>
+    <ds:schemaRef ds:uri="http://schemas.microsoft.com/office/2006/metadata/properties"/>
+    <ds:schemaRef ds:uri="262428a8-0293-4d1b-8aef-8ed32891ca41"/>
+    <ds:schemaRef ds:uri="http://purl.org/dc/terms/"/>
+    <ds:schemaRef ds:uri="http://schemas.openxmlformats.org/package/2006/metadata/core-properties"/>
+    <ds:schemaRef ds:uri="http://purl.org/dc/dcmitype/"/>
+    <ds:schemaRef ds:uri="http://schemas.microsoft.com/office/infopath/2007/PartnerControls"/>
+    <ds:schemaRef ds:uri="http://schemas.microsoft.com/office/2006/documentManagement/types"/>
+    <ds:schemaRef ds:uri="http://www.w3.org/XML/1998/namespace"/>
+  </ds:schemaRefs>
+</ds:datastoreItem>
 </file>